--- a/2DGF 최종발표 - 2016182045 한수빈.pptx
+++ b/2DGF 최종발표 - 2016182045 한수빈.pptx
@@ -6080,7 +6080,7 @@
             </a:pPr>
             <a:r>
               <a:rPr lang="ko-KR" altLang="en-US" sz="2000" b="1" dirty="0"/>
-              <a:t>안을 돌아다니는 경비를 피해 박물관 안의 보물들을 훔친다</a:t>
+              <a:t>안을 돌아다니는 경비를 피한다</a:t>
             </a:r>
             <a:r>
               <a:rPr lang="en-US" altLang="ko-KR" sz="2000" b="1" dirty="0"/>
@@ -6088,6 +6088,19 @@
             </a:r>
           </a:p>
           <a:p>
+            <a:pPr marL="0" indent="0">
+              <a:buNone/>
+            </a:pPr>
+            <a:r>
+              <a:rPr lang="ko-KR" altLang="en-US" sz="2000" b="1" dirty="0"/>
+              <a:t>그리고 박물관 안의 미술품을 훔친다</a:t>
+            </a:r>
+            <a:r>
+              <a:rPr lang="en-US" altLang="ko-KR" sz="2000" b="1" dirty="0"/>
+              <a:t>.</a:t>
+            </a:r>
+          </a:p>
+          <a:p>
             <a:endParaRPr lang="en-US" altLang="ko-KR" dirty="0"/>
           </a:p>
           <a:p>
@@ -6095,6 +6108,36 @@
           </a:p>
         </p:txBody>
       </p:sp>
+      <p:pic>
+        <p:nvPicPr>
+          <p:cNvPr id="5" name="그림 4">
+            <a:extLst>
+              <a:ext uri="{FF2B5EF4-FFF2-40B4-BE49-F238E27FC236}">
+                <a16:creationId xmlns:a16="http://schemas.microsoft.com/office/drawing/2014/main" id="{101DB800-BADB-49ED-B45E-40077C4D6950}"/>
+              </a:ext>
+            </a:extLst>
+          </p:cNvPr>
+          <p:cNvPicPr>
+            <a:picLocks noChangeAspect="1"/>
+          </p:cNvPicPr>
+          <p:nvPr/>
+        </p:nvPicPr>
+        <p:blipFill>
+          <a:blip r:embed="rId2"/>
+          <a:stretch>
+            <a:fillRect/>
+          </a:stretch>
+        </p:blipFill>
+        <p:spPr>
+          <a:xfrm>
+            <a:off x="5409285" y="1604211"/>
+            <a:ext cx="6132431" cy="4834950"/>
+          </a:xfrm>
+          <a:prstGeom prst="rect">
+            <a:avLst/>
+          </a:prstGeom>
+        </p:spPr>
+      </p:pic>
     </p:spTree>
     <p:extLst>
       <p:ext uri="{BB962C8B-B14F-4D97-AF65-F5344CB8AC3E}">
@@ -6141,7 +6184,7 @@
             <p:ph idx="1"/>
             <p:extLst>
               <p:ext uri="{D42A27DB-BD31-4B8C-83A1-F6EECF244321}">
-                <p14:modId xmlns:p14="http://schemas.microsoft.com/office/powerpoint/2010/main" val="1754945919"/>
+                <p14:modId xmlns:p14="http://schemas.microsoft.com/office/powerpoint/2010/main" val="1541380490"/>
               </p:ext>
             </p:extLst>
           </p:nvPr>
@@ -6645,7 +6688,7 @@
                       <a:pPr latinLnBrk="1"/>
                       <a:r>
                         <a:rPr lang="en-US" altLang="ko-KR" dirty="0"/>
-                        <a:t>50%</a:t>
+                        <a:t>30%</a:t>
                       </a:r>
                       <a:endParaRPr lang="ko-KR" altLang="en-US" dirty="0"/>
                     </a:p>
@@ -6732,15 +6775,8 @@
                       <a:pPr latinLnBrk="1"/>
                       <a:r>
                         <a:rPr lang="ko-KR" altLang="en-US" dirty="0"/>
-                        <a:t>층을 기준으로만 움직인다</a:t>
-                      </a:r>
-                      <a:r>
-                        <a:rPr lang="en-US" altLang="ko-KR" dirty="0"/>
-                        <a:t>.</a:t>
-                      </a:r>
-                    </a:p>
-                    <a:p>
-                      <a:pPr latinLnBrk="1"/>
+                        <a:t>구현 완료</a:t>
+                      </a:r>
                       <a:endParaRPr lang="en-US" altLang="ko-KR" dirty="0"/>
                     </a:p>
                   </a:txBody>
@@ -6754,7 +6790,7 @@
                       <a:pPr latinLnBrk="1"/>
                       <a:r>
                         <a:rPr lang="en-US" altLang="ko-KR" dirty="0"/>
-                        <a:t>80%</a:t>
+                        <a:t>100%</a:t>
                       </a:r>
                       <a:endParaRPr lang="ko-KR" altLang="en-US" dirty="0"/>
                     </a:p>
@@ -7125,7 +7161,15 @@
             </a:pPr>
             <a:r>
               <a:rPr lang="en-US" altLang="ko-KR" sz="2000" b="1" dirty="0"/>
-              <a:t>1.</a:t>
+              <a:t>1. </a:t>
+            </a:r>
+            <a:r>
+              <a:rPr lang="ko-KR" altLang="en-US" sz="2000" b="1" dirty="0"/>
+              <a:t>그래픽이 귀엽게 잘 나왔다</a:t>
+            </a:r>
+            <a:r>
+              <a:rPr lang="en-US" altLang="ko-KR" sz="2000" b="1" dirty="0"/>
+              <a:t>.</a:t>
             </a:r>
           </a:p>
           <a:p>
@@ -7134,7 +7178,15 @@
             </a:pPr>
             <a:r>
               <a:rPr lang="en-US" altLang="ko-KR" sz="2000" b="1" dirty="0"/>
-              <a:t>2.</a:t>
+              <a:t>2. </a:t>
+            </a:r>
+            <a:r>
+              <a:rPr lang="ko-KR" altLang="en-US" sz="2000" b="1" dirty="0"/>
+              <a:t>아이콘을 통해 상태를 표현한 것이 좋다</a:t>
+            </a:r>
+            <a:r>
+              <a:rPr lang="en-US" altLang="ko-KR" sz="2000" b="1" dirty="0"/>
+              <a:t>.</a:t>
             </a:r>
           </a:p>
           <a:p>
@@ -7143,7 +7195,23 @@
             </a:pPr>
             <a:r>
               <a:rPr lang="en-US" altLang="ko-KR" sz="2000" b="1" dirty="0"/>
-              <a:t>3.</a:t>
+              <a:t>3. </a:t>
+            </a:r>
+            <a:r>
+              <a:rPr lang="ko-KR" altLang="en-US" sz="2000" b="1" dirty="0"/>
+              <a:t>경비원이 인식할 때</a:t>
+            </a:r>
+            <a:r>
+              <a:rPr lang="en-US" altLang="ko-KR" sz="2000" b="1" dirty="0"/>
+              <a:t>, </a:t>
+            </a:r>
+            <a:r>
+              <a:rPr lang="ko-KR" altLang="en-US" sz="2000" b="1" dirty="0"/>
+              <a:t>은신술을 쓰면 소용이 없다</a:t>
+            </a:r>
+            <a:r>
+              <a:rPr lang="en-US" altLang="ko-KR" sz="2000" b="1" dirty="0"/>
+              <a:t>.</a:t>
             </a:r>
           </a:p>
           <a:p>
@@ -7170,8 +7238,8 @@
         </p:nvSpPr>
         <p:spPr>
           <a:xfrm>
-            <a:off x="677334" y="3787459"/>
-            <a:ext cx="8596668" cy="1759901"/>
+            <a:off x="677334" y="3840481"/>
+            <a:ext cx="8596668" cy="2766060"/>
           </a:xfrm>
           <a:prstGeom prst="rect">
             <a:avLst/>
@@ -7426,7 +7494,15 @@
             </a:pPr>
             <a:r>
               <a:rPr lang="en-US" altLang="ko-KR" sz="2000" b="1" dirty="0"/>
-              <a:t>1.</a:t>
+              <a:t>1. </a:t>
+            </a:r>
+            <a:r>
+              <a:rPr lang="ko-KR" altLang="en-US" sz="2000" b="1" dirty="0"/>
+              <a:t>경비원이 계단도 오르내렸으면 좋았을 것 같다</a:t>
+            </a:r>
+            <a:r>
+              <a:rPr lang="en-US" altLang="ko-KR" sz="2000" b="1" dirty="0"/>
+              <a:t>.</a:t>
             </a:r>
           </a:p>
           <a:p>
@@ -7436,7 +7512,15 @@
             </a:pPr>
             <a:r>
               <a:rPr lang="en-US" altLang="ko-KR" sz="2000" b="1" dirty="0"/>
-              <a:t>2.</a:t>
+              <a:t>2. </a:t>
+            </a:r>
+            <a:r>
+              <a:rPr lang="ko-KR" altLang="en-US" sz="2000" b="1" dirty="0"/>
+              <a:t>오브젝트가 좀 더 다양하게 있었으면 좋았을 것 같다</a:t>
+            </a:r>
+            <a:r>
+              <a:rPr lang="en-US" altLang="ko-KR" sz="2000" b="1" dirty="0"/>
+              <a:t>.</a:t>
             </a:r>
           </a:p>
           <a:p>
@@ -7446,7 +7530,47 @@
             </a:pPr>
             <a:r>
               <a:rPr lang="en-US" altLang="ko-KR" sz="2000" b="1" dirty="0"/>
-              <a:t>3.</a:t>
+              <a:t>3. </a:t>
+            </a:r>
+            <a:r>
+              <a:rPr lang="ko-KR" altLang="en-US" sz="2000" b="1" dirty="0"/>
+              <a:t>시간 조절을 할 수 있었으면 좋았을 것 같다</a:t>
+            </a:r>
+            <a:r>
+              <a:rPr lang="en-US" altLang="ko-KR" sz="2000" b="1" dirty="0"/>
+              <a:t>.</a:t>
+            </a:r>
+          </a:p>
+          <a:p>
+            <a:pPr marL="0" indent="0">
+              <a:buFont typeface="Wingdings 3" charset="2"/>
+              <a:buNone/>
+            </a:pPr>
+            <a:r>
+              <a:rPr lang="en-US" altLang="ko-KR" sz="2000" b="1" dirty="0"/>
+              <a:t>4. </a:t>
+            </a:r>
+            <a:r>
+              <a:rPr lang="ko-KR" altLang="en-US" sz="2000" b="1" dirty="0"/>
+              <a:t>게임 기획에서 게임 오버 조건을 시간 제한이 아니라</a:t>
+            </a:r>
+            <a:r>
+              <a:rPr lang="en-US" altLang="ko-KR" sz="2000" b="1" dirty="0"/>
+              <a:t>,</a:t>
+            </a:r>
+          </a:p>
+          <a:p>
+            <a:pPr marL="0" indent="0">
+              <a:buFont typeface="Wingdings 3" charset="2"/>
+              <a:buNone/>
+            </a:pPr>
+            <a:r>
+              <a:rPr lang="ko-KR" altLang="en-US" sz="2000" b="1" dirty="0"/>
+              <a:t>    경비원에게 잡히는 경우로만 했다면 더 재미있었을 것 같다</a:t>
+            </a:r>
+            <a:r>
+              <a:rPr lang="en-US" altLang="ko-KR" sz="2000" b="1" dirty="0"/>
+              <a:t>.</a:t>
             </a:r>
           </a:p>
           <a:p>
